--- a/fig-ppt/data-set.pptx
+++ b/fig-ppt/data-set.pptx
@@ -243,7 +243,7 @@
           <a:p>
             <a:fld id="{277122CC-2B4B-4436-B3D7-5A99DF3CAA6C}" type="datetimeFigureOut">
               <a:rPr lang="zh-CN" altLang="en-US" smtClean="0"/>
-              <a:t>2023/2/22</a:t>
+              <a:t>2023/4/17</a:t>
             </a:fld>
             <a:endParaRPr lang="zh-CN" altLang="en-US"/>
           </a:p>
@@ -413,7 +413,7 @@
           <a:p>
             <a:fld id="{277122CC-2B4B-4436-B3D7-5A99DF3CAA6C}" type="datetimeFigureOut">
               <a:rPr lang="zh-CN" altLang="en-US" smtClean="0"/>
-              <a:t>2023/2/22</a:t>
+              <a:t>2023/4/17</a:t>
             </a:fld>
             <a:endParaRPr lang="zh-CN" altLang="en-US"/>
           </a:p>
@@ -593,7 +593,7 @@
           <a:p>
             <a:fld id="{277122CC-2B4B-4436-B3D7-5A99DF3CAA6C}" type="datetimeFigureOut">
               <a:rPr lang="zh-CN" altLang="en-US" smtClean="0"/>
-              <a:t>2023/2/22</a:t>
+              <a:t>2023/4/17</a:t>
             </a:fld>
             <a:endParaRPr lang="zh-CN" altLang="en-US"/>
           </a:p>
@@ -763,7 +763,7 @@
           <a:p>
             <a:fld id="{277122CC-2B4B-4436-B3D7-5A99DF3CAA6C}" type="datetimeFigureOut">
               <a:rPr lang="zh-CN" altLang="en-US" smtClean="0"/>
-              <a:t>2023/2/22</a:t>
+              <a:t>2023/4/17</a:t>
             </a:fld>
             <a:endParaRPr lang="zh-CN" altLang="en-US"/>
           </a:p>
@@ -1007,7 +1007,7 @@
           <a:p>
             <a:fld id="{277122CC-2B4B-4436-B3D7-5A99DF3CAA6C}" type="datetimeFigureOut">
               <a:rPr lang="zh-CN" altLang="en-US" smtClean="0"/>
-              <a:t>2023/2/22</a:t>
+              <a:t>2023/4/17</a:t>
             </a:fld>
             <a:endParaRPr lang="zh-CN" altLang="en-US"/>
           </a:p>
@@ -1239,7 +1239,7 @@
           <a:p>
             <a:fld id="{277122CC-2B4B-4436-B3D7-5A99DF3CAA6C}" type="datetimeFigureOut">
               <a:rPr lang="zh-CN" altLang="en-US" smtClean="0"/>
-              <a:t>2023/2/22</a:t>
+              <a:t>2023/4/17</a:t>
             </a:fld>
             <a:endParaRPr lang="zh-CN" altLang="en-US"/>
           </a:p>
@@ -1606,7 +1606,7 @@
           <a:p>
             <a:fld id="{277122CC-2B4B-4436-B3D7-5A99DF3CAA6C}" type="datetimeFigureOut">
               <a:rPr lang="zh-CN" altLang="en-US" smtClean="0"/>
-              <a:t>2023/2/22</a:t>
+              <a:t>2023/4/17</a:t>
             </a:fld>
             <a:endParaRPr lang="zh-CN" altLang="en-US"/>
           </a:p>
@@ -1724,7 +1724,7 @@
           <a:p>
             <a:fld id="{277122CC-2B4B-4436-B3D7-5A99DF3CAA6C}" type="datetimeFigureOut">
               <a:rPr lang="zh-CN" altLang="en-US" smtClean="0"/>
-              <a:t>2023/2/22</a:t>
+              <a:t>2023/4/17</a:t>
             </a:fld>
             <a:endParaRPr lang="zh-CN" altLang="en-US"/>
           </a:p>
@@ -1819,7 +1819,7 @@
           <a:p>
             <a:fld id="{277122CC-2B4B-4436-B3D7-5A99DF3CAA6C}" type="datetimeFigureOut">
               <a:rPr lang="zh-CN" altLang="en-US" smtClean="0"/>
-              <a:t>2023/2/22</a:t>
+              <a:t>2023/4/17</a:t>
             </a:fld>
             <a:endParaRPr lang="zh-CN" altLang="en-US"/>
           </a:p>
@@ -2096,7 +2096,7 @@
           <a:p>
             <a:fld id="{277122CC-2B4B-4436-B3D7-5A99DF3CAA6C}" type="datetimeFigureOut">
               <a:rPr lang="zh-CN" altLang="en-US" smtClean="0"/>
-              <a:t>2023/2/22</a:t>
+              <a:t>2023/4/17</a:t>
             </a:fld>
             <a:endParaRPr lang="zh-CN" altLang="en-US"/>
           </a:p>
@@ -2353,7 +2353,7 @@
           <a:p>
             <a:fld id="{277122CC-2B4B-4436-B3D7-5A99DF3CAA6C}" type="datetimeFigureOut">
               <a:rPr lang="zh-CN" altLang="en-US" smtClean="0"/>
-              <a:t>2023/2/22</a:t>
+              <a:t>2023/4/17</a:t>
             </a:fld>
             <a:endParaRPr lang="zh-CN" altLang="en-US"/>
           </a:p>
@@ -2566,7 +2566,7 @@
           <a:p>
             <a:fld id="{277122CC-2B4B-4436-B3D7-5A99DF3CAA6C}" type="datetimeFigureOut">
               <a:rPr lang="zh-CN" altLang="en-US" smtClean="0"/>
-              <a:t>2023/2/22</a:t>
+              <a:t>2023/4/17</a:t>
             </a:fld>
             <a:endParaRPr lang="zh-CN" altLang="en-US"/>
           </a:p>
@@ -3368,7 +3368,7 @@
         </p:blipFill>
         <p:spPr>
           <a:xfrm>
-            <a:off x="1799781" y="0"/>
+            <a:off x="1799781" y="474"/>
             <a:ext cx="540000" cy="540000"/>
           </a:xfrm>
           <a:prstGeom prst="rect">
@@ -3409,7 +3409,7 @@
         </p:blipFill>
         <p:spPr>
           <a:xfrm>
-            <a:off x="2339776" y="0"/>
+            <a:off x="2339776" y="474"/>
             <a:ext cx="540000" cy="540000"/>
           </a:xfrm>
           <a:prstGeom prst="rect">
@@ -3450,7 +3450,7 @@
         </p:blipFill>
         <p:spPr>
           <a:xfrm>
-            <a:off x="1259785" y="0"/>
+            <a:off x="1259785" y="474"/>
             <a:ext cx="540000" cy="540000"/>
           </a:xfrm>
           <a:prstGeom prst="rect">
@@ -3491,7 +3491,7 @@
         </p:blipFill>
         <p:spPr>
           <a:xfrm>
-            <a:off x="719794" y="0"/>
+            <a:off x="719794" y="474"/>
             <a:ext cx="540000" cy="540000"/>
           </a:xfrm>
           <a:prstGeom prst="rect">
@@ -3860,7 +3860,7 @@
         </p:blipFill>
         <p:spPr>
           <a:xfrm>
-            <a:off x="3599450" y="949"/>
+            <a:off x="3599450" y="474"/>
             <a:ext cx="540000" cy="540000"/>
           </a:xfrm>
           <a:prstGeom prst="rect">
@@ -5131,7 +5131,7 @@
         </p:blipFill>
         <p:spPr>
           <a:xfrm>
-            <a:off x="4139315" y="0"/>
+            <a:off x="4139315" y="474"/>
             <a:ext cx="540000" cy="540000"/>
           </a:xfrm>
           <a:prstGeom prst="rect">
@@ -5172,7 +5172,7 @@
         </p:blipFill>
         <p:spPr>
           <a:xfrm>
-            <a:off x="4679324" y="949"/>
+            <a:off x="4679324" y="474"/>
             <a:ext cx="540000" cy="540000"/>
           </a:xfrm>
           <a:prstGeom prst="rect">
@@ -5213,7 +5213,7 @@
         </p:blipFill>
         <p:spPr>
           <a:xfrm>
-            <a:off x="5219450" y="949"/>
+            <a:off x="5219450" y="474"/>
             <a:ext cx="540000" cy="540000"/>
           </a:xfrm>
           <a:prstGeom prst="rect">
@@ -6265,7 +6265,7 @@
         </p:nvSpPr>
         <p:spPr>
           <a:xfrm>
-            <a:off x="55269" y="162000"/>
+            <a:off x="53982" y="147364"/>
             <a:ext cx="663256" cy="246221"/>
           </a:xfrm>
           <a:prstGeom prst="rect">
@@ -6307,7 +6307,7 @@
         </p:nvSpPr>
         <p:spPr>
           <a:xfrm>
-            <a:off x="55136" y="4482000"/>
+            <a:off x="53982" y="4480372"/>
             <a:ext cx="663256" cy="246221"/>
           </a:xfrm>
           <a:prstGeom prst="rect">
@@ -6349,7 +6349,7 @@
         </p:nvSpPr>
         <p:spPr>
           <a:xfrm>
-            <a:off x="55269" y="3942000"/>
+            <a:off x="53982" y="3938746"/>
             <a:ext cx="663256" cy="246221"/>
           </a:xfrm>
           <a:prstGeom prst="rect">
@@ -6433,7 +6433,7 @@
         </p:nvSpPr>
         <p:spPr>
           <a:xfrm>
-            <a:off x="54000" y="702000"/>
+            <a:off x="53982" y="688990"/>
             <a:ext cx="663256" cy="246221"/>
           </a:xfrm>
           <a:prstGeom prst="rect">
@@ -6475,7 +6475,7 @@
         </p:nvSpPr>
         <p:spPr>
           <a:xfrm>
-            <a:off x="54000" y="1242000"/>
+            <a:off x="53982" y="1230616"/>
             <a:ext cx="663256" cy="246221"/>
           </a:xfrm>
           <a:prstGeom prst="rect">
@@ -6517,7 +6517,7 @@
         </p:nvSpPr>
         <p:spPr>
           <a:xfrm>
-            <a:off x="54000" y="1782000"/>
+            <a:off x="53982" y="1772242"/>
             <a:ext cx="663256" cy="246221"/>
           </a:xfrm>
           <a:prstGeom prst="rect">
@@ -6559,7 +6559,7 @@
         </p:nvSpPr>
         <p:spPr>
           <a:xfrm>
-            <a:off x="54000" y="2322000"/>
+            <a:off x="53982" y="2313868"/>
             <a:ext cx="663256" cy="246221"/>
           </a:xfrm>
           <a:prstGeom prst="rect">
@@ -6601,7 +6601,7 @@
         </p:nvSpPr>
         <p:spPr>
           <a:xfrm>
-            <a:off x="54000" y="2862000"/>
+            <a:off x="53982" y="2855494"/>
             <a:ext cx="663256" cy="246221"/>
           </a:xfrm>
           <a:prstGeom prst="rect">
@@ -6643,7 +6643,7 @@
         </p:nvSpPr>
         <p:spPr>
           <a:xfrm>
-            <a:off x="54000" y="3402000"/>
+            <a:off x="53982" y="3397120"/>
             <a:ext cx="663256" cy="246221"/>
           </a:xfrm>
           <a:prstGeom prst="rect">
@@ -6685,7 +6685,7 @@
         </p:nvSpPr>
         <p:spPr>
           <a:xfrm>
-            <a:off x="2934000" y="162000"/>
+            <a:off x="2934000" y="147364"/>
             <a:ext cx="663256" cy="246221"/>
           </a:xfrm>
           <a:prstGeom prst="rect">
@@ -6727,7 +6727,7 @@
         </p:nvSpPr>
         <p:spPr>
           <a:xfrm>
-            <a:off x="2934000" y="4482000"/>
+            <a:off x="2934000" y="4480372"/>
             <a:ext cx="663256" cy="246221"/>
           </a:xfrm>
           <a:prstGeom prst="rect">
@@ -6769,7 +6769,7 @@
         </p:nvSpPr>
         <p:spPr>
           <a:xfrm>
-            <a:off x="2934000" y="3942000"/>
+            <a:off x="2934000" y="3938746"/>
             <a:ext cx="663256" cy="246221"/>
           </a:xfrm>
           <a:prstGeom prst="rect">
@@ -6853,7 +6853,7 @@
         </p:nvSpPr>
         <p:spPr>
           <a:xfrm>
-            <a:off x="2934000" y="702000"/>
+            <a:off x="2934000" y="688990"/>
             <a:ext cx="663256" cy="246221"/>
           </a:xfrm>
           <a:prstGeom prst="rect">
@@ -6895,7 +6895,7 @@
         </p:nvSpPr>
         <p:spPr>
           <a:xfrm>
-            <a:off x="2934000" y="1242000"/>
+            <a:off x="2934000" y="1230616"/>
             <a:ext cx="663256" cy="246221"/>
           </a:xfrm>
           <a:prstGeom prst="rect">
@@ -6937,7 +6937,7 @@
         </p:nvSpPr>
         <p:spPr>
           <a:xfrm>
-            <a:off x="2934000" y="1782000"/>
+            <a:off x="2934000" y="1772242"/>
             <a:ext cx="663256" cy="246221"/>
           </a:xfrm>
           <a:prstGeom prst="rect">
@@ -6979,7 +6979,7 @@
         </p:nvSpPr>
         <p:spPr>
           <a:xfrm>
-            <a:off x="2934000" y="2322000"/>
+            <a:off x="2934000" y="2313868"/>
             <a:ext cx="663256" cy="246221"/>
           </a:xfrm>
           <a:prstGeom prst="rect">
@@ -7021,7 +7021,7 @@
         </p:nvSpPr>
         <p:spPr>
           <a:xfrm>
-            <a:off x="2934000" y="2862000"/>
+            <a:off x="2934000" y="2855494"/>
             <a:ext cx="663256" cy="246221"/>
           </a:xfrm>
           <a:prstGeom prst="rect">
@@ -7063,7 +7063,7 @@
         </p:nvSpPr>
         <p:spPr>
           <a:xfrm>
-            <a:off x="2934000" y="3402000"/>
+            <a:off x="2934000" y="3397120"/>
             <a:ext cx="663256" cy="246221"/>
           </a:xfrm>
           <a:prstGeom prst="rect">
